--- a/CSI3002 Applied Cryptography and Network Security/reference materials/module-6/PGP.pptx
+++ b/CSI3002 Applied Cryptography and Network Security/reference materials/module-6/PGP.pptx
@@ -4221,7 +4221,7 @@
           <a:p>
             <a:fld id="{0E564519-FE31-6D4B-AE50-E208F19BC703}" type="datetimeFigureOut">
               <a:rPr lang="en-US" smtClean="0"/>
-              <a:t>5/4/22</a:t>
+              <a:t>5/5/22</a:t>
             </a:fld>
             <a:endParaRPr lang="en-US"/>
           </a:p>
@@ -4421,7 +4421,7 @@
           <a:p>
             <a:fld id="{0E564519-FE31-6D4B-AE50-E208F19BC703}" type="datetimeFigureOut">
               <a:rPr lang="en-US" smtClean="0"/>
-              <a:t>5/4/22</a:t>
+              <a:t>5/5/22</a:t>
             </a:fld>
             <a:endParaRPr lang="en-US"/>
           </a:p>
@@ -4631,7 +4631,7 @@
           <a:p>
             <a:fld id="{0E564519-FE31-6D4B-AE50-E208F19BC703}" type="datetimeFigureOut">
               <a:rPr lang="en-US" smtClean="0"/>
-              <a:t>5/4/22</a:t>
+              <a:t>5/5/22</a:t>
             </a:fld>
             <a:endParaRPr lang="en-US"/>
           </a:p>
@@ -4831,7 +4831,7 @@
           <a:p>
             <a:fld id="{0E564519-FE31-6D4B-AE50-E208F19BC703}" type="datetimeFigureOut">
               <a:rPr lang="en-US" smtClean="0"/>
-              <a:t>5/4/22</a:t>
+              <a:t>5/5/22</a:t>
             </a:fld>
             <a:endParaRPr lang="en-US"/>
           </a:p>
@@ -5107,7 +5107,7 @@
           <a:p>
             <a:fld id="{0E564519-FE31-6D4B-AE50-E208F19BC703}" type="datetimeFigureOut">
               <a:rPr lang="en-US" smtClean="0"/>
-              <a:t>5/4/22</a:t>
+              <a:t>5/5/22</a:t>
             </a:fld>
             <a:endParaRPr lang="en-US"/>
           </a:p>
@@ -5375,7 +5375,7 @@
           <a:p>
             <a:fld id="{0E564519-FE31-6D4B-AE50-E208F19BC703}" type="datetimeFigureOut">
               <a:rPr lang="en-US" smtClean="0"/>
-              <a:t>5/4/22</a:t>
+              <a:t>5/5/22</a:t>
             </a:fld>
             <a:endParaRPr lang="en-US"/>
           </a:p>
@@ -5790,7 +5790,7 @@
           <a:p>
             <a:fld id="{0E564519-FE31-6D4B-AE50-E208F19BC703}" type="datetimeFigureOut">
               <a:rPr lang="en-US" smtClean="0"/>
-              <a:t>5/4/22</a:t>
+              <a:t>5/5/22</a:t>
             </a:fld>
             <a:endParaRPr lang="en-US"/>
           </a:p>
@@ -5932,7 +5932,7 @@
           <a:p>
             <a:fld id="{0E564519-FE31-6D4B-AE50-E208F19BC703}" type="datetimeFigureOut">
               <a:rPr lang="en-US" smtClean="0"/>
-              <a:t>5/4/22</a:t>
+              <a:t>5/5/22</a:t>
             </a:fld>
             <a:endParaRPr lang="en-US"/>
           </a:p>
@@ -6045,7 +6045,7 @@
           <a:p>
             <a:fld id="{0E564519-FE31-6D4B-AE50-E208F19BC703}" type="datetimeFigureOut">
               <a:rPr lang="en-US" smtClean="0"/>
-              <a:t>5/4/22</a:t>
+              <a:t>5/5/22</a:t>
             </a:fld>
             <a:endParaRPr lang="en-US"/>
           </a:p>
@@ -6358,7 +6358,7 @@
           <a:p>
             <a:fld id="{0E564519-FE31-6D4B-AE50-E208F19BC703}" type="datetimeFigureOut">
               <a:rPr lang="en-US" smtClean="0"/>
-              <a:t>5/4/22</a:t>
+              <a:t>5/5/22</a:t>
             </a:fld>
             <a:endParaRPr lang="en-US"/>
           </a:p>
@@ -6647,7 +6647,7 @@
           <a:p>
             <a:fld id="{0E564519-FE31-6D4B-AE50-E208F19BC703}" type="datetimeFigureOut">
               <a:rPr lang="en-US" smtClean="0"/>
-              <a:t>5/4/22</a:t>
+              <a:t>5/5/22</a:t>
             </a:fld>
             <a:endParaRPr lang="en-US"/>
           </a:p>
@@ -6890,7 +6890,7 @@
           <a:p>
             <a:fld id="{0E564519-FE31-6D4B-AE50-E208F19BC703}" type="datetimeFigureOut">
               <a:rPr lang="en-US" smtClean="0"/>
-              <a:t>5/4/22</a:t>
+              <a:t>5/5/22</a:t>
             </a:fld>
             <a:endParaRPr lang="en-US"/>
           </a:p>
